--- a/OS-12.pptx
+++ b/OS-12.pptx
@@ -251,7 +251,7 @@
             <a:fld id="{C9DF0641-E4A4-407B-96CD-62D36ABDF1A4}" type="datetimeFigureOut">
               <a:rPr lang="zh-TW" altLang="en-US" smtClean="0"/>
               <a:pPr/>
-              <a:t>2018/4/26</a:t>
+              <a:t>2018/6/19</a:t>
             </a:fld>
             <a:endParaRPr lang="zh-TW" altLang="en-US"/>
           </a:p>
@@ -702,7 +702,27 @@
             </a:r>
             <a:r>
               <a:rPr kumimoji="1" lang="en-US" altLang="zh-CN" dirty="0" smtClean="0"/>
-              <a:t>on disk, but there is no </a:t>
+              <a:t>on disk</a:t>
+            </a:r>
+            <a:r>
+              <a:rPr kumimoji="1" lang="en-US" altLang="zh-CN" dirty="0" smtClean="0"/>
+              <a:t>,. </a:t>
+            </a:r>
+            <a:r>
+              <a:rPr kumimoji="1" lang="en-US" altLang="zh-CN" dirty="0" smtClean="0"/>
+              <a:t>This case is not a problem at all, from the perspective of</a:t>
+            </a:r>
+            <a:r>
+              <a:rPr kumimoji="1" lang="zh-CN" altLang="en-US" dirty="0" smtClean="0"/>
+              <a:t> </a:t>
+            </a:r>
+            <a:r>
+              <a:rPr kumimoji="1" lang="en-US" altLang="zh-CN" dirty="0" smtClean="0"/>
+              <a:t>file-system crash consistency</a:t>
+            </a:r>
+            <a:r>
+              <a:rPr kumimoji="1" lang="en-US" altLang="zh-CN" dirty="0" smtClean="0"/>
+              <a:t>. but there is no </a:t>
             </a:r>
             <a:r>
               <a:rPr kumimoji="1" lang="en-US" altLang="zh-CN" dirty="0" err="1" smtClean="0"/>
@@ -726,16 +746,9 @@
             </a:r>
             <a:r>
               <a:rPr kumimoji="1" lang="en-US" altLang="zh-CN" dirty="0" smtClean="0"/>
-              <a:t>occurred. This case is not a problem at all, from the perspective of</a:t>
-            </a:r>
-            <a:r>
-              <a:rPr kumimoji="1" lang="zh-CN" altLang="en-US" dirty="0" smtClean="0"/>
-              <a:t> </a:t>
-            </a:r>
-            <a:r>
-              <a:rPr kumimoji="1" lang="en-US" altLang="zh-CN" dirty="0" smtClean="0"/>
-              <a:t>file-system crash consistency.</a:t>
-            </a:r>
+              <a:t>occurred</a:t>
+            </a:r>
+            <a:endParaRPr kumimoji="1" lang="en-US" altLang="zh-CN" dirty="0" smtClean="0"/>
           </a:p>
           <a:p>
             <a:r>
@@ -1846,7 +1859,7 @@
             <a:fld id="{FC1DDEA6-5D64-2948-B177-43DDCA03951F}" type="datetimeFigureOut">
               <a:rPr lang="en-US" smtClean="0"/>
               <a:pPr/>
-              <a:t>4/26/18</a:t>
+              <a:t>6/19/2018</a:t>
             </a:fld>
             <a:endParaRPr lang="en-US"/>
           </a:p>
@@ -2013,7 +2026,7 @@
             <a:fld id="{FC1DDEA6-5D64-2948-B177-43DDCA03951F}" type="datetimeFigureOut">
               <a:rPr lang="en-US" smtClean="0"/>
               <a:pPr/>
-              <a:t>4/26/18</a:t>
+              <a:t>6/19/2018</a:t>
             </a:fld>
             <a:endParaRPr lang="en-US"/>
           </a:p>
@@ -2190,7 +2203,7 @@
             <a:fld id="{FC1DDEA6-5D64-2948-B177-43DDCA03951F}" type="datetimeFigureOut">
               <a:rPr lang="en-US" smtClean="0"/>
               <a:pPr/>
-              <a:t>4/26/18</a:t>
+              <a:t>6/19/2018</a:t>
             </a:fld>
             <a:endParaRPr lang="en-US"/>
           </a:p>
@@ -2357,7 +2370,7 @@
             <a:fld id="{FC1DDEA6-5D64-2948-B177-43DDCA03951F}" type="datetimeFigureOut">
               <a:rPr lang="en-US" smtClean="0"/>
               <a:pPr/>
-              <a:t>4/26/18</a:t>
+              <a:t>6/19/2018</a:t>
             </a:fld>
             <a:endParaRPr lang="en-US"/>
           </a:p>
@@ -2600,7 +2613,7 @@
             <a:fld id="{FC1DDEA6-5D64-2948-B177-43DDCA03951F}" type="datetimeFigureOut">
               <a:rPr lang="en-US" smtClean="0"/>
               <a:pPr/>
-              <a:t>4/26/18</a:t>
+              <a:t>6/19/2018</a:t>
             </a:fld>
             <a:endParaRPr lang="en-US"/>
           </a:p>
@@ -2885,7 +2898,7 @@
             <a:fld id="{FC1DDEA6-5D64-2948-B177-43DDCA03951F}" type="datetimeFigureOut">
               <a:rPr lang="en-US" smtClean="0"/>
               <a:pPr/>
-              <a:t>4/26/18</a:t>
+              <a:t>6/19/2018</a:t>
             </a:fld>
             <a:endParaRPr lang="en-US"/>
           </a:p>
@@ -3304,7 +3317,7 @@
             <a:fld id="{FC1DDEA6-5D64-2948-B177-43DDCA03951F}" type="datetimeFigureOut">
               <a:rPr lang="en-US" smtClean="0"/>
               <a:pPr/>
-              <a:t>4/26/18</a:t>
+              <a:t>6/19/2018</a:t>
             </a:fld>
             <a:endParaRPr lang="en-US"/>
           </a:p>
@@ -3419,7 +3432,7 @@
             <a:fld id="{FC1DDEA6-5D64-2948-B177-43DDCA03951F}" type="datetimeFigureOut">
               <a:rPr lang="en-US" smtClean="0"/>
               <a:pPr/>
-              <a:t>4/26/18</a:t>
+              <a:t>6/19/2018</a:t>
             </a:fld>
             <a:endParaRPr lang="en-US"/>
           </a:p>
@@ -3511,7 +3524,7 @@
             <a:fld id="{FC1DDEA6-5D64-2948-B177-43DDCA03951F}" type="datetimeFigureOut">
               <a:rPr lang="en-US" smtClean="0"/>
               <a:pPr/>
-              <a:t>4/26/18</a:t>
+              <a:t>6/19/2018</a:t>
             </a:fld>
             <a:endParaRPr lang="en-US"/>
           </a:p>
@@ -3785,7 +3798,7 @@
             <a:fld id="{FC1DDEA6-5D64-2948-B177-43DDCA03951F}" type="datetimeFigureOut">
               <a:rPr lang="en-US" smtClean="0"/>
               <a:pPr/>
-              <a:t>4/26/18</a:t>
+              <a:t>6/19/2018</a:t>
             </a:fld>
             <a:endParaRPr lang="en-US"/>
           </a:p>
@@ -4039,7 +4052,7 @@
             <a:fld id="{FC1DDEA6-5D64-2948-B177-43DDCA03951F}" type="datetimeFigureOut">
               <a:rPr lang="en-US" smtClean="0"/>
               <a:pPr/>
-              <a:t>4/26/18</a:t>
+              <a:t>6/19/2018</a:t>
             </a:fld>
             <a:endParaRPr lang="en-US"/>
           </a:p>
@@ -4249,7 +4262,7 @@
             <a:fld id="{FC1DDEA6-5D64-2948-B177-43DDCA03951F}" type="datetimeFigureOut">
               <a:rPr lang="en-US" smtClean="0"/>
               <a:pPr/>
-              <a:t>4/26/18</a:t>
+              <a:t>6/19/2018</a:t>
             </a:fld>
             <a:endParaRPr lang="en-US"/>
           </a:p>
@@ -6969,7 +6982,6 @@
               <a:rPr lang="en-US" altLang="zh-CN" dirty="0" smtClean="0"/>
               <a:t>FAT</a:t>
             </a:r>
-            <a:endParaRPr lang="en-US" altLang="zh-CN" dirty="0" smtClean="0"/>
           </a:p>
         </p:txBody>
       </p:sp>
@@ -8749,52 +8761,6 @@
           </a:p>
         </p:txBody>
       </p:sp>
-      <p:pic>
-        <p:nvPicPr>
-          <p:cNvPr id="1026" name="Picture 2" descr="http://i3.cpcache.com/product/132293746/fsck_it_tshirt.jpg?height=350&amp;width=350"/>
-          <p:cNvPicPr>
-            <a:picLocks noChangeAspect="1" noChangeArrowheads="1"/>
-          </p:cNvPicPr>
-          <p:nvPr/>
-        </p:nvPicPr>
-        <p:blipFill>
-          <a:blip r:embed="rId2">
-            <a:extLst>
-              <a:ext uri="{28A0092B-C50C-407E-A947-70E740481C1C}">
-                <a14:useLocalDpi xmlns:a14="http://schemas.microsoft.com/office/drawing/2010/main" val="0"/>
-              </a:ext>
-            </a:extLst>
-          </a:blip>
-          <a:srcRect/>
-          <a:stretch>
-            <a:fillRect/>
-          </a:stretch>
-        </p:blipFill>
-        <p:spPr bwMode="auto">
-          <a:xfrm>
-            <a:off x="2771800" y="2974975"/>
-            <a:ext cx="3333750" cy="3333750"/>
-          </a:xfrm>
-          <a:prstGeom prst="rect">
-            <a:avLst/>
-          </a:prstGeom>
-          <a:noFill/>
-          <a:ln>
-            <a:solidFill>
-              <a:schemeClr val="accent1"/>
-            </a:solidFill>
-          </a:ln>
-          <a:extLst>
-            <a:ext uri="{909E8E84-426E-40DD-AFC4-6F175D3DCCD1}">
-              <a14:hiddenFill xmlns:a14="http://schemas.microsoft.com/office/drawing/2010/main">
-                <a:solidFill>
-                  <a:srgbClr val="FFFFFF"/>
-                </a:solidFill>
-              </a14:hiddenFill>
-            </a:ext>
-          </a:extLst>
-        </p:spPr>
-      </p:pic>
     </p:spTree>
     <p:extLst>
       <p:ext uri="{BB962C8B-B14F-4D97-AF65-F5344CB8AC3E}">
@@ -8808,83 +8774,7 @@
   <p:timing>
     <p:tnLst>
       <p:par>
-        <p:cTn id="1" dur="indefinite" restart="never" nodeType="tmRoot">
-          <p:childTnLst>
-            <p:seq concurrent="1" nextAc="seek">
-              <p:cTn id="2" dur="indefinite" nodeType="mainSeq">
-                <p:childTnLst>
-                  <p:par>
-                    <p:cTn id="3" fill="hold">
-                      <p:stCondLst>
-                        <p:cond delay="indefinite"/>
-                      </p:stCondLst>
-                      <p:childTnLst>
-                        <p:par>
-                          <p:cTn id="4" fill="hold">
-                            <p:stCondLst>
-                              <p:cond delay="0"/>
-                            </p:stCondLst>
-                            <p:childTnLst>
-                              <p:par>
-                                <p:cTn id="5" presetID="10" presetClass="entr" presetSubtype="0" fill="hold" nodeType="clickEffect">
-                                  <p:stCondLst>
-                                    <p:cond delay="0"/>
-                                  </p:stCondLst>
-                                  <p:childTnLst>
-                                    <p:set>
-                                      <p:cBhvr>
-                                        <p:cTn id="6" dur="1" fill="hold">
-                                          <p:stCondLst>
-                                            <p:cond delay="0"/>
-                                          </p:stCondLst>
-                                        </p:cTn>
-                                        <p:tgtEl>
-                                          <p:spTgt spid="1026"/>
-                                        </p:tgtEl>
-                                        <p:attrNameLst>
-                                          <p:attrName>style.visibility</p:attrName>
-                                        </p:attrNameLst>
-                                      </p:cBhvr>
-                                      <p:to>
-                                        <p:strVal val="visible"/>
-                                      </p:to>
-                                    </p:set>
-                                    <p:animEffect transition="in" filter="fade">
-                                      <p:cBhvr>
-                                        <p:cTn id="7" dur="500"/>
-                                        <p:tgtEl>
-                                          <p:spTgt spid="1026"/>
-                                        </p:tgtEl>
-                                      </p:cBhvr>
-                                    </p:animEffect>
-                                  </p:childTnLst>
-                                </p:cTn>
-                              </p:par>
-                            </p:childTnLst>
-                          </p:cTn>
-                        </p:par>
-                      </p:childTnLst>
-                    </p:cTn>
-                  </p:par>
-                </p:childTnLst>
-              </p:cTn>
-              <p:prevCondLst>
-                <p:cond evt="onPrev" delay="0">
-                  <p:tgtEl>
-                    <p:sldTgt/>
-                  </p:tgtEl>
-                </p:cond>
-              </p:prevCondLst>
-              <p:nextCondLst>
-                <p:cond evt="onNext" delay="0">
-                  <p:tgtEl>
-                    <p:sldTgt/>
-                  </p:tgtEl>
-                </p:cond>
-              </p:nextCondLst>
-            </p:seq>
-          </p:childTnLst>
-        </p:cTn>
+        <p:cTn id="1" dur="indefinite" restart="never" nodeType="tmRoot"/>
       </p:par>
     </p:tnLst>
   </p:timing>
@@ -11049,10 +10939,6 @@
               </a:rPr>
               <a:t>NTFS</a:t>
             </a:r>
-            <a:endParaRPr lang="en-US" altLang="zh-CN" dirty="0" smtClean="0">
-              <a:latin typeface="+mj-lt"/>
-              <a:cs typeface="Times New Roman" panose="02020603050405020304" pitchFamily="18" charset="0"/>
-            </a:endParaRPr>
           </a:p>
         </p:txBody>
       </p:sp>
